--- a/Presentación Profesores.pptx
+++ b/Presentación Profesores.pptx
@@ -105,6 +105,11 @@
       </a:defRPr>
     </a:lvl9pPr>
   </p:defaultTextStyle>
+  <p:extLst>
+    <p:ext uri="{EFAFB233-063F-42B5-8137-9DF3F51BA10A}">
+      <p15:sldGuideLst xmlns:p15="http://schemas.microsoft.com/office/powerpoint/2012/main"/>
+    </p:ext>
+  </p:extLst>
 </p:presentation>
 </file>
 
@@ -257,7 +262,7 @@
           <a:p>
             <a:fld id="{79C4D726-A30E-4638-852C-04433A7D5745}" type="datetimeFigureOut">
               <a:rPr lang="es-PE" smtClean="0"/>
-              <a:t>8/11/2022</a:t>
+              <a:t>8/11/22</a:t>
             </a:fld>
             <a:endParaRPr lang="es-PE"/>
           </a:p>
@@ -457,7 +462,7 @@
           <a:p>
             <a:fld id="{79C4D726-A30E-4638-852C-04433A7D5745}" type="datetimeFigureOut">
               <a:rPr lang="es-PE" smtClean="0"/>
-              <a:t>8/11/2022</a:t>
+              <a:t>8/11/22</a:t>
             </a:fld>
             <a:endParaRPr lang="es-PE"/>
           </a:p>
@@ -667,7 +672,7 @@
           <a:p>
             <a:fld id="{79C4D726-A30E-4638-852C-04433A7D5745}" type="datetimeFigureOut">
               <a:rPr lang="es-PE" smtClean="0"/>
-              <a:t>8/11/2022</a:t>
+              <a:t>8/11/22</a:t>
             </a:fld>
             <a:endParaRPr lang="es-PE"/>
           </a:p>
@@ -1038,7 +1043,7 @@
           <a:p>
             <a:fld id="{79C4D726-A30E-4638-852C-04433A7D5745}" type="datetimeFigureOut">
               <a:rPr lang="es-PE" smtClean="0"/>
-              <a:t>8/11/2022</a:t>
+              <a:t>8/11/22</a:t>
             </a:fld>
             <a:endParaRPr lang="es-PE"/>
           </a:p>
@@ -1314,7 +1319,7 @@
           <a:p>
             <a:fld id="{79C4D726-A30E-4638-852C-04433A7D5745}" type="datetimeFigureOut">
               <a:rPr lang="es-PE" smtClean="0"/>
-              <a:t>8/11/2022</a:t>
+              <a:t>8/11/22</a:t>
             </a:fld>
             <a:endParaRPr lang="es-PE"/>
           </a:p>
@@ -1582,7 +1587,7 @@
           <a:p>
             <a:fld id="{79C4D726-A30E-4638-852C-04433A7D5745}" type="datetimeFigureOut">
               <a:rPr lang="es-PE" smtClean="0"/>
-              <a:t>8/11/2022</a:t>
+              <a:t>8/11/22</a:t>
             </a:fld>
             <a:endParaRPr lang="es-PE"/>
           </a:p>
@@ -1997,7 +2002,7 @@
           <a:p>
             <a:fld id="{79C4D726-A30E-4638-852C-04433A7D5745}" type="datetimeFigureOut">
               <a:rPr lang="es-PE" smtClean="0"/>
-              <a:t>8/11/2022</a:t>
+              <a:t>8/11/22</a:t>
             </a:fld>
             <a:endParaRPr lang="es-PE"/>
           </a:p>
@@ -2139,7 +2144,7 @@
           <a:p>
             <a:fld id="{79C4D726-A30E-4638-852C-04433A7D5745}" type="datetimeFigureOut">
               <a:rPr lang="es-PE" smtClean="0"/>
-              <a:t>8/11/2022</a:t>
+              <a:t>8/11/22</a:t>
             </a:fld>
             <a:endParaRPr lang="es-PE"/>
           </a:p>
@@ -2252,7 +2257,7 @@
           <a:p>
             <a:fld id="{79C4D726-A30E-4638-852C-04433A7D5745}" type="datetimeFigureOut">
               <a:rPr lang="es-PE" smtClean="0"/>
-              <a:t>8/11/2022</a:t>
+              <a:t>8/11/22</a:t>
             </a:fld>
             <a:endParaRPr lang="es-PE"/>
           </a:p>
@@ -2565,7 +2570,7 @@
           <a:p>
             <a:fld id="{79C4D726-A30E-4638-852C-04433A7D5745}" type="datetimeFigureOut">
               <a:rPr lang="es-PE" smtClean="0"/>
-              <a:t>8/11/2022</a:t>
+              <a:t>8/11/22</a:t>
             </a:fld>
             <a:endParaRPr lang="es-PE"/>
           </a:p>
@@ -2854,7 +2859,7 @@
           <a:p>
             <a:fld id="{79C4D726-A30E-4638-852C-04433A7D5745}" type="datetimeFigureOut">
               <a:rPr lang="es-PE" smtClean="0"/>
-              <a:t>8/11/2022</a:t>
+              <a:t>8/11/22</a:t>
             </a:fld>
             <a:endParaRPr lang="es-PE"/>
           </a:p>
@@ -3097,7 +3102,7 @@
           <a:p>
             <a:fld id="{79C4D726-A30E-4638-852C-04433A7D5745}" type="datetimeFigureOut">
               <a:rPr lang="es-PE" smtClean="0"/>
-              <a:t>8/11/2022</a:t>
+              <a:t>8/11/22</a:t>
             </a:fld>
             <a:endParaRPr lang="es-PE"/>
           </a:p>
@@ -3570,7 +3575,7 @@
         <p:spPr>
           <a:xfrm>
             <a:off x="3534770" y="1233470"/>
-            <a:ext cx="8406026" cy="4616648"/>
+            <a:ext cx="8406026" cy="3580467"/>
           </a:xfrm>
           <a:prstGeom prst="rect">
             <a:avLst/>
@@ -3695,107 +3700,16 @@
               <a:t>Devolper</a:t>
             </a:r>
             <a:r>
-              <a:rPr lang="es-ES" dirty="0">
+              <a:rPr lang="es-ES">
                 <a:latin typeface="Segoe UI" panose="020B0502040204020203" pitchFamily="34" charset="0"/>
                 <a:cs typeface="Segoe UI" panose="020B0502040204020203" pitchFamily="34" charset="0"/>
               </a:rPr>
               <a:t>. </a:t>
             </a:r>
-          </a:p>
-          <a:p>
-            <a:pPr algn="just">
-              <a:spcBef>
-                <a:spcPts val="800"/>
-              </a:spcBef>
-            </a:pPr>
             <a:endParaRPr lang="es-ES" dirty="0">
               <a:latin typeface="Segoe UI" panose="020B0502040204020203" pitchFamily="34" charset="0"/>
               <a:cs typeface="Segoe UI" panose="020B0502040204020203" pitchFamily="34" charset="0"/>
             </a:endParaRPr>
-          </a:p>
-          <a:p>
-            <a:pPr algn="just">
-              <a:spcBef>
-                <a:spcPts val="800"/>
-              </a:spcBef>
-            </a:pPr>
-            <a:r>
-              <a:rPr lang="es-ES" dirty="0">
-                <a:latin typeface="Segoe UI" panose="020B0502040204020203" pitchFamily="34" charset="0"/>
-                <a:cs typeface="Segoe UI" panose="020B0502040204020203" pitchFamily="34" charset="0"/>
-              </a:rPr>
-              <a:t>Asimismo cuenta con certificaciones como desarrollador </a:t>
-            </a:r>
-            <a:r>
-              <a:rPr lang="es-ES" dirty="0" err="1">
-                <a:latin typeface="Segoe UI" panose="020B0502040204020203" pitchFamily="34" charset="0"/>
-                <a:cs typeface="Segoe UI" panose="020B0502040204020203" pitchFamily="34" charset="0"/>
-              </a:rPr>
-              <a:t>fullstack</a:t>
-            </a:r>
-            <a:r>
-              <a:rPr lang="es-ES" dirty="0">
-                <a:latin typeface="Segoe UI" panose="020B0502040204020203" pitchFamily="34" charset="0"/>
-                <a:cs typeface="Segoe UI" panose="020B0502040204020203" pitchFamily="34" charset="0"/>
-              </a:rPr>
-              <a:t> por </a:t>
-            </a:r>
-            <a:r>
-              <a:rPr lang="es-ES" dirty="0" err="1">
-                <a:latin typeface="Segoe UI" panose="020B0502040204020203" pitchFamily="34" charset="0"/>
-                <a:cs typeface="Segoe UI" panose="020B0502040204020203" pitchFamily="34" charset="0"/>
-              </a:rPr>
-              <a:t>Codeacademy</a:t>
-            </a:r>
-            <a:r>
-              <a:rPr lang="es-ES" dirty="0">
-                <a:latin typeface="Segoe UI" panose="020B0502040204020203" pitchFamily="34" charset="0"/>
-                <a:cs typeface="Segoe UI" panose="020B0502040204020203" pitchFamily="34" charset="0"/>
-              </a:rPr>
-              <a:t> en </a:t>
-            </a:r>
-            <a:r>
-              <a:rPr lang="es-ES" dirty="0" err="1">
-                <a:latin typeface="Segoe UI" panose="020B0502040204020203" pitchFamily="34" charset="0"/>
-                <a:cs typeface="Segoe UI" panose="020B0502040204020203" pitchFamily="34" charset="0"/>
-              </a:rPr>
-              <a:t>Navigation</a:t>
-            </a:r>
-            <a:r>
-              <a:rPr lang="es-ES" dirty="0">
-                <a:latin typeface="Segoe UI" panose="020B0502040204020203" pitchFamily="34" charset="0"/>
-                <a:cs typeface="Segoe UI" panose="020B0502040204020203" pitchFamily="34" charset="0"/>
-              </a:rPr>
-              <a:t> </a:t>
-            </a:r>
-            <a:r>
-              <a:rPr lang="es-ES" dirty="0" err="1">
-                <a:latin typeface="Segoe UI" panose="020B0502040204020203" pitchFamily="34" charset="0"/>
-                <a:cs typeface="Segoe UI" panose="020B0502040204020203" pitchFamily="34" charset="0"/>
-              </a:rPr>
-              <a:t>Design</a:t>
-            </a:r>
-            <a:r>
-              <a:rPr lang="es-ES" dirty="0">
-                <a:latin typeface="Segoe UI" panose="020B0502040204020203" pitchFamily="34" charset="0"/>
-                <a:cs typeface="Segoe UI" panose="020B0502040204020203" pitchFamily="34" charset="0"/>
-              </a:rPr>
-              <a:t>, PHP, HTML y </a:t>
-            </a:r>
-            <a:r>
-              <a:rPr lang="es-ES" dirty="0" err="1">
-                <a:latin typeface="Segoe UI" panose="020B0502040204020203" pitchFamily="34" charset="0"/>
-                <a:cs typeface="Segoe UI" panose="020B0502040204020203" pitchFamily="34" charset="0"/>
-              </a:rPr>
-              <a:t>Javascript</a:t>
-            </a:r>
-            <a:r>
-              <a:rPr lang="es-ES" dirty="0">
-                <a:latin typeface="Segoe UI" panose="020B0502040204020203" pitchFamily="34" charset="0"/>
-                <a:cs typeface="Segoe UI" panose="020B0502040204020203" pitchFamily="34" charset="0"/>
-              </a:rPr>
-              <a:t>.</a:t>
-            </a:r>
           </a:p>
         </p:txBody>
       </p:sp>
